--- a/Sprint 16/Xətti Reqressiya.pptx
+++ b/Sprint 16/Xətti Reqressiya.pptx
@@ -13,13 +13,11 @@
     <p:sldId id="263" r:id="rId7"/>
     <p:sldId id="265" r:id="rId8"/>
     <p:sldId id="266" r:id="rId9"/>
-    <p:sldId id="267" r:id="rId10"/>
-    <p:sldId id="268" r:id="rId11"/>
-    <p:sldId id="270" r:id="rId12"/>
-    <p:sldId id="259" r:id="rId13"/>
-    <p:sldId id="257" r:id="rId14"/>
-    <p:sldId id="258" r:id="rId15"/>
-    <p:sldId id="269" r:id="rId16"/>
+    <p:sldId id="270" r:id="rId10"/>
+    <p:sldId id="259" r:id="rId11"/>
+    <p:sldId id="257" r:id="rId12"/>
+    <p:sldId id="258" r:id="rId13"/>
+    <p:sldId id="269" r:id="rId14"/>
   </p:sldIdLst>
   <p:sldSz cx="12192000" cy="6858000"/>
   <p:notesSz cx="6858000" cy="9144000"/>
@@ -275,7 +273,7 @@
           <a:p>
             <a:fld id="{2610333E-0450-4A49-825E-91AA16B19317}" type="datetimeFigureOut">
               <a:rPr lang="en-AZ" smtClean="0"/>
-              <a:t>13.08.25</a:t>
+              <a:t>31.08.25</a:t>
             </a:fld>
             <a:endParaRPr lang="en-AZ"/>
           </a:p>
@@ -475,7 +473,7 @@
           <a:p>
             <a:fld id="{2610333E-0450-4A49-825E-91AA16B19317}" type="datetimeFigureOut">
               <a:rPr lang="en-AZ" smtClean="0"/>
-              <a:t>13.08.25</a:t>
+              <a:t>31.08.25</a:t>
             </a:fld>
             <a:endParaRPr lang="en-AZ"/>
           </a:p>
@@ -685,7 +683,7 @@
           <a:p>
             <a:fld id="{2610333E-0450-4A49-825E-91AA16B19317}" type="datetimeFigureOut">
               <a:rPr lang="en-AZ" smtClean="0"/>
-              <a:t>13.08.25</a:t>
+              <a:t>31.08.25</a:t>
             </a:fld>
             <a:endParaRPr lang="en-AZ"/>
           </a:p>
@@ -885,7 +883,7 @@
           <a:p>
             <a:fld id="{2610333E-0450-4A49-825E-91AA16B19317}" type="datetimeFigureOut">
               <a:rPr lang="en-AZ" smtClean="0"/>
-              <a:t>13.08.25</a:t>
+              <a:t>31.08.25</a:t>
             </a:fld>
             <a:endParaRPr lang="en-AZ"/>
           </a:p>
@@ -1161,7 +1159,7 @@
           <a:p>
             <a:fld id="{2610333E-0450-4A49-825E-91AA16B19317}" type="datetimeFigureOut">
               <a:rPr lang="en-AZ" smtClean="0"/>
-              <a:t>13.08.25</a:t>
+              <a:t>31.08.25</a:t>
             </a:fld>
             <a:endParaRPr lang="en-AZ"/>
           </a:p>
@@ -1429,7 +1427,7 @@
           <a:p>
             <a:fld id="{2610333E-0450-4A49-825E-91AA16B19317}" type="datetimeFigureOut">
               <a:rPr lang="en-AZ" smtClean="0"/>
-              <a:t>13.08.25</a:t>
+              <a:t>31.08.25</a:t>
             </a:fld>
             <a:endParaRPr lang="en-AZ"/>
           </a:p>
@@ -1844,7 +1842,7 @@
           <a:p>
             <a:fld id="{2610333E-0450-4A49-825E-91AA16B19317}" type="datetimeFigureOut">
               <a:rPr lang="en-AZ" smtClean="0"/>
-              <a:t>13.08.25</a:t>
+              <a:t>31.08.25</a:t>
             </a:fld>
             <a:endParaRPr lang="en-AZ"/>
           </a:p>
@@ -1986,7 +1984,7 @@
           <a:p>
             <a:fld id="{2610333E-0450-4A49-825E-91AA16B19317}" type="datetimeFigureOut">
               <a:rPr lang="en-AZ" smtClean="0"/>
-              <a:t>13.08.25</a:t>
+              <a:t>31.08.25</a:t>
             </a:fld>
             <a:endParaRPr lang="en-AZ"/>
           </a:p>
@@ -2099,7 +2097,7 @@
           <a:p>
             <a:fld id="{2610333E-0450-4A49-825E-91AA16B19317}" type="datetimeFigureOut">
               <a:rPr lang="en-AZ" smtClean="0"/>
-              <a:t>13.08.25</a:t>
+              <a:t>31.08.25</a:t>
             </a:fld>
             <a:endParaRPr lang="en-AZ"/>
           </a:p>
@@ -2412,7 +2410,7 @@
           <a:p>
             <a:fld id="{2610333E-0450-4A49-825E-91AA16B19317}" type="datetimeFigureOut">
               <a:rPr lang="en-AZ" smtClean="0"/>
-              <a:t>13.08.25</a:t>
+              <a:t>31.08.25</a:t>
             </a:fld>
             <a:endParaRPr lang="en-AZ"/>
           </a:p>
@@ -2701,7 +2699,7 @@
           <a:p>
             <a:fld id="{2610333E-0450-4A49-825E-91AA16B19317}" type="datetimeFigureOut">
               <a:rPr lang="en-AZ" smtClean="0"/>
-              <a:t>13.08.25</a:t>
+              <a:t>31.08.25</a:t>
             </a:fld>
             <a:endParaRPr lang="en-AZ"/>
           </a:p>
@@ -2944,7 +2942,7 @@
           <a:p>
             <a:fld id="{2610333E-0450-4A49-825E-91AA16B19317}" type="datetimeFigureOut">
               <a:rPr lang="en-AZ" smtClean="0"/>
-              <a:t>13.08.25</a:t>
+              <a:t>31.08.25</a:t>
             </a:fld>
             <a:endParaRPr lang="en-AZ"/>
           </a:p>
@@ -3432,10 +3430,10 @@
       </p:grpSpPr>
       <p:sp>
         <p:nvSpPr>
-          <p:cNvPr id="4" name="Rectangle 3">
-            <a:extLst>
-              <a:ext uri="{FF2B5EF4-FFF2-40B4-BE49-F238E27FC236}">
-                <a16:creationId xmlns:a16="http://schemas.microsoft.com/office/drawing/2014/main" id="{E551C5DE-366C-75CF-6769-759A801918AD}"/>
+          <p:cNvPr id="2" name="Rectangle 1">
+            <a:extLst>
+              <a:ext uri="{FF2B5EF4-FFF2-40B4-BE49-F238E27FC236}">
+                <a16:creationId xmlns:a16="http://schemas.microsoft.com/office/drawing/2014/main" id="{2CFC5B27-0732-7E6D-E0FF-9E65F9353F28}"/>
               </a:ext>
             </a:extLst>
           </p:cNvPr>
@@ -3459,7 +3457,7 @@
           <a:p>
             <a:r>
               <a:rPr lang="en-US" sz="2800" dirty="0" err="1"/>
-              <a:t>Çarpaz</a:t>
+              <a:t>Reqressiya</a:t>
             </a:r>
             <a:r>
               <a:rPr lang="en-US" sz="2800" dirty="0"/>
@@ -3467,11 +3465,23 @@
             </a:r>
             <a:r>
               <a:rPr lang="en-US" sz="2800" dirty="0" err="1"/>
-              <a:t>Validasiya</a:t>
+              <a:t>Modelinin</a:t>
             </a:r>
             <a:r>
               <a:rPr lang="en-US" sz="2800" dirty="0"/>
-              <a:t> - Cross Validation</a:t>
+              <a:t> </a:t>
+            </a:r>
+            <a:r>
+              <a:rPr lang="en-US" sz="2800" dirty="0" err="1"/>
+              <a:t>Perormansının</a:t>
+            </a:r>
+            <a:r>
+              <a:rPr lang="en-US" sz="2800" dirty="0"/>
+              <a:t> </a:t>
+            </a:r>
+            <a:r>
+              <a:rPr lang="en-US" sz="2800" dirty="0" err="1"/>
+              <a:t>Qiymətləndirilməsi</a:t>
             </a:r>
             <a:endParaRPr lang="en-AZ" sz="2800" dirty="0"/>
           </a:p>
@@ -3479,19 +3489,17 @@
       </p:sp>
       <p:pic>
         <p:nvPicPr>
-          <p:cNvPr id="5" name="Content Placeholder 4">
-            <a:extLst>
-              <a:ext uri="{FF2B5EF4-FFF2-40B4-BE49-F238E27FC236}">
-                <a16:creationId xmlns:a16="http://schemas.microsoft.com/office/drawing/2014/main" id="{7EB086FF-D1F9-7042-C615-4C27395A3B62}"/>
+          <p:cNvPr id="4" name="Picture 3">
+            <a:extLst>
+              <a:ext uri="{FF2B5EF4-FFF2-40B4-BE49-F238E27FC236}">
+                <a16:creationId xmlns:a16="http://schemas.microsoft.com/office/drawing/2014/main" id="{DB54E186-57DA-B3EE-1791-183CC46AE8CF}"/>
               </a:ext>
             </a:extLst>
           </p:cNvPr>
           <p:cNvPicPr>
-            <a:picLocks noGrp="1" noChangeAspect="1"/>
+            <a:picLocks noChangeAspect="1"/>
           </p:cNvPicPr>
-          <p:nvPr>
-            <p:ph idx="1"/>
-          </p:nvPr>
+          <p:nvPr/>
         </p:nvPicPr>
         <p:blipFill>
           <a:blip r:embed="rId2"/>
@@ -3501,15 +3509,48 @@
         </p:blipFill>
         <p:spPr>
           <a:xfrm>
-            <a:off x="1681599" y="1394700"/>
-            <a:ext cx="8828801" cy="4351338"/>
-          </a:xfrm>
+            <a:off x="6556133" y="2764715"/>
+            <a:ext cx="5294779" cy="3872753"/>
+          </a:xfrm>
+          <a:prstGeom prst="rect">
+            <a:avLst/>
+          </a:prstGeom>
+        </p:spPr>
+      </p:pic>
+      <p:pic>
+        <p:nvPicPr>
+          <p:cNvPr id="9" name="Picture 8">
+            <a:extLst>
+              <a:ext uri="{FF2B5EF4-FFF2-40B4-BE49-F238E27FC236}">
+                <a16:creationId xmlns:a16="http://schemas.microsoft.com/office/drawing/2014/main" id="{C28DC253-C371-3083-4950-32CD95F59F80}"/>
+              </a:ext>
+            </a:extLst>
+          </p:cNvPr>
+          <p:cNvPicPr>
+            <a:picLocks noChangeAspect="1"/>
+          </p:cNvPicPr>
+          <p:nvPr/>
+        </p:nvPicPr>
+        <p:blipFill>
+          <a:blip r:embed="rId3"/>
+          <a:stretch>
+            <a:fillRect/>
+          </a:stretch>
+        </p:blipFill>
+        <p:spPr>
+          <a:xfrm>
+            <a:off x="-1" y="1071861"/>
+            <a:ext cx="6097543" cy="2747104"/>
+          </a:xfrm>
+          <a:prstGeom prst="rect">
+            <a:avLst/>
+          </a:prstGeom>
         </p:spPr>
       </p:pic>
     </p:spTree>
     <p:extLst>
       <p:ext uri="{BB962C8B-B14F-4D97-AF65-F5344CB8AC3E}">
-        <p14:creationId xmlns:p14="http://schemas.microsoft.com/office/powerpoint/2010/main" val="4141642636"/>
+        <p14:creationId xmlns:p14="http://schemas.microsoft.com/office/powerpoint/2010/main" val="3177057868"/>
       </p:ext>
     </p:extLst>
   </p:cSld>
@@ -3538,274 +3579,6 @@
       </p:grpSpPr>
       <p:sp>
         <p:nvSpPr>
-          <p:cNvPr id="2" name="Rectangle 1">
-            <a:extLst>
-              <a:ext uri="{FF2B5EF4-FFF2-40B4-BE49-F238E27FC236}">
-                <a16:creationId xmlns:a16="http://schemas.microsoft.com/office/drawing/2014/main" id="{2CFC5B27-0732-7E6D-E0FF-9E65F9353F28}"/>
-              </a:ext>
-            </a:extLst>
-          </p:cNvPr>
-          <p:cNvSpPr/>
-          <p:nvPr/>
-        </p:nvSpPr>
-        <p:spPr>
-          <a:xfrm>
-            <a:off x="0" y="0"/>
-            <a:ext cx="12192000" cy="523220"/>
-          </a:xfrm>
-          <a:prstGeom prst="rect">
-            <a:avLst/>
-          </a:prstGeom>
-        </p:spPr>
-        <p:txBody>
-          <a:bodyPr wrap="square">
-            <a:spAutoFit/>
-          </a:bodyPr>
-          <a:lstStyle/>
-          <a:p>
-            <a:r>
-              <a:rPr lang="en-US" sz="2800" dirty="0" err="1"/>
-              <a:t>Reqressiya</a:t>
-            </a:r>
-            <a:r>
-              <a:rPr lang="en-US" sz="2800" dirty="0"/>
-              <a:t> </a:t>
-            </a:r>
-            <a:r>
-              <a:rPr lang="en-US" sz="2800" dirty="0" err="1"/>
-              <a:t>Modelinin</a:t>
-            </a:r>
-            <a:r>
-              <a:rPr lang="en-US" sz="2800" dirty="0"/>
-              <a:t> </a:t>
-            </a:r>
-            <a:r>
-              <a:rPr lang="en-US" sz="2800" dirty="0" err="1"/>
-              <a:t>Perormansının</a:t>
-            </a:r>
-            <a:r>
-              <a:rPr lang="en-US" sz="2800" dirty="0"/>
-              <a:t> </a:t>
-            </a:r>
-            <a:r>
-              <a:rPr lang="en-US" sz="2800" dirty="0" err="1"/>
-              <a:t>Qiymətləndirilməsi</a:t>
-            </a:r>
-            <a:endParaRPr lang="en-AZ" sz="2800" dirty="0"/>
-          </a:p>
-        </p:txBody>
-      </p:sp>
-      <p:pic>
-        <p:nvPicPr>
-          <p:cNvPr id="5" name="Picture 4">
-            <a:extLst>
-              <a:ext uri="{FF2B5EF4-FFF2-40B4-BE49-F238E27FC236}">
-                <a16:creationId xmlns:a16="http://schemas.microsoft.com/office/drawing/2014/main" id="{4E2107BA-4E2B-3BAB-3961-CB3C520D5547}"/>
-              </a:ext>
-            </a:extLst>
-          </p:cNvPr>
-          <p:cNvPicPr>
-            <a:picLocks noChangeAspect="1"/>
-          </p:cNvPicPr>
-          <p:nvPr/>
-        </p:nvPicPr>
-        <p:blipFill>
-          <a:blip r:embed="rId2"/>
-          <a:stretch>
-            <a:fillRect/>
-          </a:stretch>
-        </p:blipFill>
-        <p:spPr>
-          <a:xfrm>
-            <a:off x="2119255" y="925158"/>
-            <a:ext cx="7451464" cy="5588598"/>
-          </a:xfrm>
-          <a:prstGeom prst="rect">
-            <a:avLst/>
-          </a:prstGeom>
-        </p:spPr>
-      </p:pic>
-    </p:spTree>
-    <p:extLst>
-      <p:ext uri="{BB962C8B-B14F-4D97-AF65-F5344CB8AC3E}">
-        <p14:creationId xmlns:p14="http://schemas.microsoft.com/office/powerpoint/2010/main" val="506326110"/>
-      </p:ext>
-    </p:extLst>
-  </p:cSld>
-  <p:clrMapOvr>
-    <a:masterClrMapping/>
-  </p:clrMapOvr>
-</p:sld>
-</file>
-
-<file path=ppt/slides/slide12.xml><?xml version="1.0" encoding="utf-8"?>
-<p:sld xmlns:a="http://schemas.openxmlformats.org/drawingml/2006/main" xmlns:r="http://schemas.openxmlformats.org/officeDocument/2006/relationships" xmlns:p="http://schemas.openxmlformats.org/presentationml/2006/main">
-  <p:cSld>
-    <p:spTree>
-      <p:nvGrpSpPr>
-        <p:cNvPr id="1" name=""/>
-        <p:cNvGrpSpPr/>
-        <p:nvPr/>
-      </p:nvGrpSpPr>
-      <p:grpSpPr>
-        <a:xfrm>
-          <a:off x="0" y="0"/>
-          <a:ext cx="0" cy="0"/>
-          <a:chOff x="0" y="0"/>
-          <a:chExt cx="0" cy="0"/>
-        </a:xfrm>
-      </p:grpSpPr>
-      <p:sp>
-        <p:nvSpPr>
-          <p:cNvPr id="2" name="Rectangle 1">
-            <a:extLst>
-              <a:ext uri="{FF2B5EF4-FFF2-40B4-BE49-F238E27FC236}">
-                <a16:creationId xmlns:a16="http://schemas.microsoft.com/office/drawing/2014/main" id="{2CFC5B27-0732-7E6D-E0FF-9E65F9353F28}"/>
-              </a:ext>
-            </a:extLst>
-          </p:cNvPr>
-          <p:cNvSpPr/>
-          <p:nvPr/>
-        </p:nvSpPr>
-        <p:spPr>
-          <a:xfrm>
-            <a:off x="0" y="0"/>
-            <a:ext cx="12192000" cy="523220"/>
-          </a:xfrm>
-          <a:prstGeom prst="rect">
-            <a:avLst/>
-          </a:prstGeom>
-        </p:spPr>
-        <p:txBody>
-          <a:bodyPr wrap="square">
-            <a:spAutoFit/>
-          </a:bodyPr>
-          <a:lstStyle/>
-          <a:p>
-            <a:r>
-              <a:rPr lang="en-US" sz="2800" dirty="0" err="1"/>
-              <a:t>Reqressiya</a:t>
-            </a:r>
-            <a:r>
-              <a:rPr lang="en-US" sz="2800" dirty="0"/>
-              <a:t> </a:t>
-            </a:r>
-            <a:r>
-              <a:rPr lang="en-US" sz="2800" dirty="0" err="1"/>
-              <a:t>Modelinin</a:t>
-            </a:r>
-            <a:r>
-              <a:rPr lang="en-US" sz="2800" dirty="0"/>
-              <a:t> </a:t>
-            </a:r>
-            <a:r>
-              <a:rPr lang="en-US" sz="2800" dirty="0" err="1"/>
-              <a:t>Perormansının</a:t>
-            </a:r>
-            <a:r>
-              <a:rPr lang="en-US" sz="2800" dirty="0"/>
-              <a:t> </a:t>
-            </a:r>
-            <a:r>
-              <a:rPr lang="en-US" sz="2800" dirty="0" err="1"/>
-              <a:t>Qiymətləndirilməsi</a:t>
-            </a:r>
-            <a:endParaRPr lang="en-AZ" sz="2800" dirty="0"/>
-          </a:p>
-        </p:txBody>
-      </p:sp>
-      <p:pic>
-        <p:nvPicPr>
-          <p:cNvPr id="4" name="Picture 3">
-            <a:extLst>
-              <a:ext uri="{FF2B5EF4-FFF2-40B4-BE49-F238E27FC236}">
-                <a16:creationId xmlns:a16="http://schemas.microsoft.com/office/drawing/2014/main" id="{DB54E186-57DA-B3EE-1791-183CC46AE8CF}"/>
-              </a:ext>
-            </a:extLst>
-          </p:cNvPr>
-          <p:cNvPicPr>
-            <a:picLocks noChangeAspect="1"/>
-          </p:cNvPicPr>
-          <p:nvPr/>
-        </p:nvPicPr>
-        <p:blipFill>
-          <a:blip r:embed="rId2"/>
-          <a:stretch>
-            <a:fillRect/>
-          </a:stretch>
-        </p:blipFill>
-        <p:spPr>
-          <a:xfrm>
-            <a:off x="6556133" y="2764715"/>
-            <a:ext cx="5294779" cy="3872753"/>
-          </a:xfrm>
-          <a:prstGeom prst="rect">
-            <a:avLst/>
-          </a:prstGeom>
-        </p:spPr>
-      </p:pic>
-      <p:pic>
-        <p:nvPicPr>
-          <p:cNvPr id="9" name="Picture 8">
-            <a:extLst>
-              <a:ext uri="{FF2B5EF4-FFF2-40B4-BE49-F238E27FC236}">
-                <a16:creationId xmlns:a16="http://schemas.microsoft.com/office/drawing/2014/main" id="{C28DC253-C371-3083-4950-32CD95F59F80}"/>
-              </a:ext>
-            </a:extLst>
-          </p:cNvPr>
-          <p:cNvPicPr>
-            <a:picLocks noChangeAspect="1"/>
-          </p:cNvPicPr>
-          <p:nvPr/>
-        </p:nvPicPr>
-        <p:blipFill>
-          <a:blip r:embed="rId3"/>
-          <a:stretch>
-            <a:fillRect/>
-          </a:stretch>
-        </p:blipFill>
-        <p:spPr>
-          <a:xfrm>
-            <a:off x="-1" y="1071861"/>
-            <a:ext cx="6097543" cy="2747104"/>
-          </a:xfrm>
-          <a:prstGeom prst="rect">
-            <a:avLst/>
-          </a:prstGeom>
-        </p:spPr>
-      </p:pic>
-    </p:spTree>
-    <p:extLst>
-      <p:ext uri="{BB962C8B-B14F-4D97-AF65-F5344CB8AC3E}">
-        <p14:creationId xmlns:p14="http://schemas.microsoft.com/office/powerpoint/2010/main" val="3177057868"/>
-      </p:ext>
-    </p:extLst>
-  </p:cSld>
-  <p:clrMapOvr>
-    <a:masterClrMapping/>
-  </p:clrMapOvr>
-</p:sld>
-</file>
-
-<file path=ppt/slides/slide13.xml><?xml version="1.0" encoding="utf-8"?>
-<p:sld xmlns:a="http://schemas.openxmlformats.org/drawingml/2006/main" xmlns:r="http://schemas.openxmlformats.org/officeDocument/2006/relationships" xmlns:p="http://schemas.openxmlformats.org/presentationml/2006/main">
-  <p:cSld>
-    <p:spTree>
-      <p:nvGrpSpPr>
-        <p:cNvPr id="1" name=""/>
-        <p:cNvGrpSpPr/>
-        <p:nvPr/>
-      </p:nvGrpSpPr>
-      <p:grpSpPr>
-        <a:xfrm>
-          <a:off x="0" y="0"/>
-          <a:ext cx="0" cy="0"/>
-          <a:chOff x="0" y="0"/>
-          <a:chExt cx="0" cy="0"/>
-        </a:xfrm>
-      </p:grpSpPr>
-      <p:sp>
-        <p:nvSpPr>
           <p:cNvPr id="4" name="Rectangle 3">
             <a:extLst>
               <a:ext uri="{FF2B5EF4-FFF2-40B4-BE49-F238E27FC236}">
@@ -3965,7 +3738,7 @@
 </p:sld>
 </file>
 
-<file path=ppt/slides/slide14.xml><?xml version="1.0" encoding="utf-8"?>
+<file path=ppt/slides/slide12.xml><?xml version="1.0" encoding="utf-8"?>
 <p:sld xmlns:a="http://schemas.openxmlformats.org/drawingml/2006/main" xmlns:r="http://schemas.openxmlformats.org/officeDocument/2006/relationships" xmlns:p="http://schemas.openxmlformats.org/presentationml/2006/main">
   <p:cSld>
     <p:spTree>
@@ -4434,7 +4207,7 @@
 </p:sld>
 </file>
 
-<file path=ppt/slides/slide15.xml><?xml version="1.0" encoding="utf-8"?>
+<file path=ppt/slides/slide13.xml><?xml version="1.0" encoding="utf-8"?>
 <p:sld xmlns:a="http://schemas.openxmlformats.org/drawingml/2006/main" xmlns:r="http://schemas.openxmlformats.org/officeDocument/2006/relationships" xmlns:p="http://schemas.openxmlformats.org/presentationml/2006/main">
   <p:cSld>
     <p:spTree>
@@ -5368,10 +5141,10 @@
       </p:grpSpPr>
       <p:sp>
         <p:nvSpPr>
-          <p:cNvPr id="4" name="Rectangle 3">
-            <a:extLst>
-              <a:ext uri="{FF2B5EF4-FFF2-40B4-BE49-F238E27FC236}">
-                <a16:creationId xmlns:a16="http://schemas.microsoft.com/office/drawing/2014/main" id="{E551C5DE-366C-75CF-6769-759A801918AD}"/>
+          <p:cNvPr id="2" name="Rectangle 1">
+            <a:extLst>
+              <a:ext uri="{FF2B5EF4-FFF2-40B4-BE49-F238E27FC236}">
+                <a16:creationId xmlns:a16="http://schemas.microsoft.com/office/drawing/2014/main" id="{2CFC5B27-0732-7E6D-E0FF-9E65F9353F28}"/>
               </a:ext>
             </a:extLst>
           </p:cNvPr>
@@ -5395,7 +5168,7 @@
           <a:p>
             <a:r>
               <a:rPr lang="en-US" sz="2800" dirty="0" err="1"/>
-              <a:t>Datanın</a:t>
+              <a:t>Reqressiya</a:t>
             </a:r>
             <a:r>
               <a:rPr lang="en-US" sz="2800" dirty="0"/>
@@ -5403,11 +5176,23 @@
             </a:r>
             <a:r>
               <a:rPr lang="en-US" sz="2800" dirty="0" err="1"/>
-              <a:t>bölünməsi</a:t>
+              <a:t>Modelinin</a:t>
             </a:r>
             <a:r>
               <a:rPr lang="en-US" sz="2800" dirty="0"/>
-              <a:t> - Splitting the data</a:t>
+              <a:t> </a:t>
+            </a:r>
+            <a:r>
+              <a:rPr lang="en-US" sz="2800" dirty="0" err="1"/>
+              <a:t>Perormansının</a:t>
+            </a:r>
+            <a:r>
+              <a:rPr lang="en-US" sz="2800" dirty="0"/>
+              <a:t> </a:t>
+            </a:r>
+            <a:r>
+              <a:rPr lang="en-US" sz="2800" dirty="0" err="1"/>
+              <a:t>Qiymətləndirilməsi</a:t>
             </a:r>
             <a:endParaRPr lang="en-AZ" sz="2800" dirty="0"/>
           </a:p>
@@ -5415,19 +5200,17 @@
       </p:sp>
       <p:pic>
         <p:nvPicPr>
-          <p:cNvPr id="7" name="Content Placeholder 6">
-            <a:extLst>
-              <a:ext uri="{FF2B5EF4-FFF2-40B4-BE49-F238E27FC236}">
-                <a16:creationId xmlns:a16="http://schemas.microsoft.com/office/drawing/2014/main" id="{62B65682-0B9C-CC01-C5D0-FD17477C5543}"/>
+          <p:cNvPr id="5" name="Picture 4">
+            <a:extLst>
+              <a:ext uri="{FF2B5EF4-FFF2-40B4-BE49-F238E27FC236}">
+                <a16:creationId xmlns:a16="http://schemas.microsoft.com/office/drawing/2014/main" id="{4E2107BA-4E2B-3BAB-3961-CB3C520D5547}"/>
               </a:ext>
             </a:extLst>
           </p:cNvPr>
           <p:cNvPicPr>
-            <a:picLocks noGrp="1" noChangeAspect="1"/>
+            <a:picLocks noChangeAspect="1"/>
           </p:cNvPicPr>
-          <p:nvPr>
-            <p:ph idx="1"/>
-          </p:nvPr>
+          <p:nvPr/>
         </p:nvPicPr>
         <p:blipFill>
           <a:blip r:embed="rId2"/>
@@ -5437,34 +5220,8 @@
         </p:blipFill>
         <p:spPr>
           <a:xfrm>
-            <a:off x="4892252" y="1691942"/>
-            <a:ext cx="6449287" cy="3474115"/>
-          </a:xfrm>
-        </p:spPr>
-      </p:pic>
-      <p:pic>
-        <p:nvPicPr>
-          <p:cNvPr id="10" name="Picture 9">
-            <a:extLst>
-              <a:ext uri="{FF2B5EF4-FFF2-40B4-BE49-F238E27FC236}">
-                <a16:creationId xmlns:a16="http://schemas.microsoft.com/office/drawing/2014/main" id="{B1EC5D9A-6B11-62CF-2FFC-34B665B27988}"/>
-              </a:ext>
-            </a:extLst>
-          </p:cNvPr>
-          <p:cNvPicPr>
-            <a:picLocks noChangeAspect="1"/>
-          </p:cNvPicPr>
-          <p:nvPr/>
-        </p:nvPicPr>
-        <p:blipFill rotWithShape="1">
-          <a:blip r:embed="rId3"/>
-          <a:srcRect t="3014"/>
-          <a:stretch/>
-        </p:blipFill>
-        <p:spPr>
-          <a:xfrm>
-            <a:off x="850461" y="1691942"/>
-            <a:ext cx="3395717" cy="3474116"/>
+            <a:off x="2119255" y="925158"/>
+            <a:ext cx="7451464" cy="5588598"/>
           </a:xfrm>
           <a:prstGeom prst="rect">
             <a:avLst/>
@@ -5474,7 +5231,7 @@
     </p:spTree>
     <p:extLst>
       <p:ext uri="{BB962C8B-B14F-4D97-AF65-F5344CB8AC3E}">
-        <p14:creationId xmlns:p14="http://schemas.microsoft.com/office/powerpoint/2010/main" val="766445220"/>
+        <p14:creationId xmlns:p14="http://schemas.microsoft.com/office/powerpoint/2010/main" val="506326110"/>
       </p:ext>
     </p:extLst>
   </p:cSld>
